--- a/presentation/ProjectPresentation.pptx
+++ b/presentation/ProjectPresentation.pptx
@@ -21206,8 +21206,8 @@
         </p:nvSpPr>
         <p:spPr>
           <a:xfrm>
-            <a:off x="5550980" y="5525827"/>
-            <a:ext cx="623553" cy="346445"/>
+            <a:off x="5316279" y="5307867"/>
+            <a:ext cx="1008321" cy="690890"/>
           </a:xfrm>
           <a:prstGeom prst="wedgeEllipseCallout">
             <a:avLst/>
@@ -21236,10 +21236,10 @@
           <a:p>
             <a:pPr algn="ctr"/>
             <a:r>
-              <a:rPr lang="en-US" sz="800" dirty="0" smtClean="0"/>
+              <a:rPr lang="en-US" sz="1200" dirty="0" smtClean="0"/>
               <a:t>C(2,1.6,3)</a:t>
             </a:r>
-            <a:endParaRPr lang="en-US" sz="800" dirty="0"/>
+            <a:endParaRPr lang="en-US" sz="1200" dirty="0"/>
           </a:p>
         </p:txBody>
       </p:sp>
@@ -23029,7 +23029,7 @@
                                   <p:childTnLst>
                                     <p:animMotion origin="layout" path="M 0.5158 -0.17431 L 0.5158 0.07569 " pathEditMode="relative" rAng="0" ptsTypes="AA">
                                       <p:cBhvr>
-                                        <p:cTn id="100" dur="2000" fill="hold"/>
+                                        <p:cTn id="100" dur="2700" fill="hold"/>
                                         <p:tgtEl>
                                           <p:spTgt spid="112"/>
                                         </p:tgtEl>
@@ -23051,7 +23051,7 @@
                                   <p:childTnLst>
                                     <p:animMotion origin="layout" path="M 0.51458 -0.26597 L 0.51458 -0.01597 " pathEditMode="relative" rAng="0" ptsTypes="AA">
                                       <p:cBhvr>
-                                        <p:cTn id="102" dur="2000" fill="hold"/>
+                                        <p:cTn id="102" dur="2800" fill="hold"/>
                                         <p:tgtEl>
                                           <p:spTgt spid="114"/>
                                         </p:tgtEl>
@@ -23073,7 +23073,7 @@
                                   <p:childTnLst>
                                     <p:animMotion origin="layout" path="M 0.51649 -0.35185 L 0.51649 -0.10741 " pathEditMode="relative" rAng="0" ptsTypes="AA">
                                       <p:cBhvr>
-                                        <p:cTn id="104" dur="2000" fill="hold"/>
+                                        <p:cTn id="104" dur="2800" fill="hold"/>
                                         <p:tgtEl>
                                           <p:spTgt spid="119"/>
                                         </p:tgtEl>
@@ -23095,7 +23095,7 @@
                                   <p:childTnLst>
                                     <p:animMotion origin="layout" path="M 0.41962 -0.17801 L 0.42465 0.07616 " pathEditMode="relative" rAng="0" ptsTypes="AA">
                                       <p:cBhvr>
-                                        <p:cTn id="106" dur="2000" fill="hold"/>
+                                        <p:cTn id="106" dur="2700" fill="hold"/>
                                         <p:tgtEl>
                                           <p:spTgt spid="116"/>
                                         </p:tgtEl>
@@ -23117,7 +23117,7 @@
                                   <p:childTnLst>
                                     <p:animMotion origin="layout" path="M 0.41962 -0.26227 L 0.42465 -0.05255 " pathEditMode="relative" rAng="0" ptsTypes="AA">
                                       <p:cBhvr>
-                                        <p:cTn id="108" dur="2000" fill="hold"/>
+                                        <p:cTn id="108" dur="2800" fill="hold"/>
                                         <p:tgtEl>
                                           <p:spTgt spid="118"/>
                                         </p:tgtEl>
@@ -23137,7 +23137,7 @@
                         <p:par>
                           <p:cTn id="109" fill="hold">
                             <p:stCondLst>
-                              <p:cond delay="25000"/>
+                              <p:cond delay="25800"/>
                             </p:stCondLst>
                             <p:childTnLst>
                               <p:par>
@@ -23321,7 +23321,7 @@
                         <p:par>
                           <p:cTn id="125" fill="hold">
                             <p:stCondLst>
-                              <p:cond delay="25500"/>
+                              <p:cond delay="26300"/>
                             </p:stCondLst>
                             <p:childTnLst>
                               <p:par>
@@ -23350,7 +23350,7 @@
                                     </p:set>
                                     <p:anim calcmode="lin" valueType="num">
                                       <p:cBhvr>
-                                        <p:cTn id="128" dur="1000" fill="hold"/>
+                                        <p:cTn id="128" dur="2700" fill="hold"/>
                                         <p:tgtEl>
                                           <p:spTgt spid="49"/>
                                         </p:tgtEl>
@@ -23373,7 +23373,7 @@
                                     </p:anim>
                                     <p:anim calcmode="lin" valueType="num">
                                       <p:cBhvr>
-                                        <p:cTn id="129" dur="1000" fill="hold"/>
+                                        <p:cTn id="129" dur="2700" fill="hold"/>
                                         <p:tgtEl>
                                           <p:spTgt spid="49"/>
                                         </p:tgtEl>
@@ -23396,7 +23396,7 @@
                                     </p:anim>
                                     <p:anim calcmode="lin" valueType="num">
                                       <p:cBhvr>
-                                        <p:cTn id="130" dur="1000" fill="hold"/>
+                                        <p:cTn id="130" dur="2700" fill="hold"/>
                                         <p:tgtEl>
                                           <p:spTgt spid="49"/>
                                         </p:tgtEl>
@@ -23419,7 +23419,7 @@
                                     </p:anim>
                                     <p:animEffect transition="in" filter="fade">
                                       <p:cBhvr>
-                                        <p:cTn id="131" dur="1000"/>
+                                        <p:cTn id="131" dur="2700"/>
                                         <p:tgtEl>
                                           <p:spTgt spid="49"/>
                                         </p:tgtEl>
@@ -23461,7 +23461,7 @@
                         <p:par>
                           <p:cTn id="134" fill="hold">
                             <p:stCondLst>
-                              <p:cond delay="26500"/>
+                              <p:cond delay="29000"/>
                             </p:stCondLst>
                             <p:childTnLst>
                               <p:par>
@@ -23472,7 +23472,7 @@
                                   <p:childTnLst>
                                     <p:animMotion origin="layout" path="M 0 0 C 0.00034 0.02453 0.00069 0.04838 0.00121 0.07291 C 0.00191 0.10277 0.00034 0.0993 0.01736 0.10717 C 0.0875 0.10601 0.14513 0.10347 0.2151 0.10254 C 0.23767 0.09606 0.271 0.09722 0.29409 0.09629 C 0.29913 0.09514 0.30329 0.09351 0.30816 0.09166 C 0.3092 0.08264 0.31093 0.07639 0.31388 0.06828 C 0.31579 0.05324 0.32013 0.03981 0.32204 0.025 C 0.32135 -0.16899 0.3302 -0.23149 0.31267 -0.36899 C 0.31232 -0.37824 0.3118 -0.3875 0.31163 -0.39676 C 0.31111 -0.41968 0.32135 -0.44769 0.31041 -0.46505 C 0.30173 -0.47894 0.28333 -0.46389 0.26979 -0.46343 C 0.25607 -0.46065 0.24253 -0.45787 0.22899 -0.45417 C 0.21736 -0.45533 0.20677 -0.45741 0.19531 -0.4588 C 0.17517 -0.46574 0.14253 -0.46297 0.12673 -0.46343 C 0.1217 -0.46574 0.11666 -0.46574 0.11163 -0.46806 C 0.10625 -0.47524 0.10399 -0.4801 0.1 -0.4882 C 0.09722 -0.49375 0.08663 -0.50139 0.08246 -0.50695 C 0.07934 -0.51088 0.07899 -0.51343 0.07673 -0.51783 C 0.07482 -0.52153 0.07083 -0.52848 0.07083 -0.52848 C 0.07013 -0.53241 0.06805 -0.53542 0.06736 -0.53936 C 0.06649 -0.54491 0.06736 -0.55093 0.06632 -0.55649 C 0.06579 -0.55903 0.06371 -0.56042 0.06267 -0.56274 C 0.0585 -0.57269 0.05555 -0.58311 0.05 -0.59213 C 0.04496 -0.60047 0.03593 -0.60394 0.03142 -0.61227 C 0.02725 -0.61968 0.02934 -0.61667 0.02552 -0.62153 C 0.02222 -0.63056 0.01597 -0.63727 0.0092 -0.64167 C 0.00052 -0.65417 -0.02518 -0.65186 -0.0349 -0.65255 C -0.12362 -0.67732 -0.29584 -0.65394 -0.40122 -0.65255 C -0.4125 -0.6507 -0.42362 -0.64676 -0.4349 -0.64491 C -0.45521 -0.63797 -0.4757 -0.63195 -0.49653 -0.62778 C -0.50053 -0.62593 -0.50261 -0.62315 -0.50591 -0.62014 C -0.51598 -0.61111 -0.51632 -0.60602 -0.52205 -0.59213 C -0.52344 -0.58889 -0.52553 -0.58611 -0.52674 -0.58287 C -0.52761 -0.58079 -0.5283 -0.57871 -0.52917 -0.57662 C -0.53143 -0.5632 -0.53941 -0.55047 -0.53959 -0.53635 C -0.53993 -0.50787 -0.53959 -0.47963 -0.53959 -0.45116 " pathEditMode="relative" ptsTypes="ffffffffffffffffffffffffffffffffffffA">
                                       <p:cBhvr>
-                                        <p:cTn id="136" dur="3400" fill="hold"/>
+                                        <p:cTn id="136" dur="8600" fill="hold"/>
                                         <p:tgtEl>
                                           <p:spTgt spid="49"/>
                                         </p:tgtEl>
@@ -23491,7 +23491,7 @@
                         <p:par>
                           <p:cTn id="137" fill="hold">
                             <p:stCondLst>
-                              <p:cond delay="29900"/>
+                              <p:cond delay="37600"/>
                             </p:stCondLst>
                             <p:childTnLst>
                               <p:par>
@@ -23502,7 +23502,7 @@
                                   <p:childTnLst>
                                     <p:animEffect transition="out" filter="fade">
                                       <p:cBhvr>
-                                        <p:cTn id="139" dur="700"/>
+                                        <p:cTn id="139" dur="2300"/>
                                         <p:tgtEl>
                                           <p:spTgt spid="49"/>
                                         </p:tgtEl>
@@ -23512,7 +23512,7 @@
                                       <p:cBhvr>
                                         <p:cTn id="140" dur="1" fill="hold">
                                           <p:stCondLst>
-                                            <p:cond delay="699"/>
+                                            <p:cond delay="2299"/>
                                           </p:stCondLst>
                                         </p:cTn>
                                         <p:tgtEl>
@@ -23535,7 +23535,7 @@
                         <p:par>
                           <p:cTn id="141" fill="hold">
                             <p:stCondLst>
-                              <p:cond delay="30600"/>
+                              <p:cond delay="39900"/>
                             </p:stCondLst>
                             <p:childTnLst>
                               <p:par>
@@ -23564,7 +23564,7 @@
                                     </p:set>
                                     <p:animEffect transition="in" filter="fade">
                                       <p:cBhvr>
-                                        <p:cTn id="144" dur="2000"/>
+                                        <p:cTn id="144" dur="5000"/>
                                         <p:tgtEl>
                                           <p:spTgt spid="95"/>
                                         </p:tgtEl>
@@ -23572,7 +23572,7 @@
                                     </p:animEffect>
                                     <p:anim calcmode="lin" valueType="num">
                                       <p:cBhvr>
-                                        <p:cTn id="145" dur="2000" fill="hold"/>
+                                        <p:cTn id="145" dur="5000" fill="hold"/>
                                         <p:tgtEl>
                                           <p:spTgt spid="95"/>
                                         </p:tgtEl>
@@ -23595,7 +23595,7 @@
                                     </p:anim>
                                     <p:anim calcmode="lin" valueType="num">
                                       <p:cBhvr>
-                                        <p:cTn id="146" dur="2000" fill="hold"/>
+                                        <p:cTn id="146" dur="5000" fill="hold"/>
                                         <p:tgtEl>
                                           <p:spTgt spid="95"/>
                                         </p:tgtEl>
@@ -23645,7 +23645,7 @@
                                     </p:set>
                                     <p:animEffect transition="in" filter="fade">
                                       <p:cBhvr>
-                                        <p:cTn id="149" dur="2000"/>
+                                        <p:cTn id="149" dur="5200"/>
                                         <p:tgtEl>
                                           <p:spTgt spid="96"/>
                                         </p:tgtEl>
@@ -23653,7 +23653,7 @@
                                     </p:animEffect>
                                     <p:anim calcmode="lin" valueType="num">
                                       <p:cBhvr>
-                                        <p:cTn id="150" dur="2000" fill="hold"/>
+                                        <p:cTn id="150" dur="5200" fill="hold"/>
                                         <p:tgtEl>
                                           <p:spTgt spid="96"/>
                                         </p:tgtEl>
@@ -23676,7 +23676,7 @@
                                     </p:anim>
                                     <p:anim calcmode="lin" valueType="num">
                                       <p:cBhvr>
-                                        <p:cTn id="151" dur="2000" fill="hold"/>
+                                        <p:cTn id="151" dur="5200" fill="hold"/>
                                         <p:tgtEl>
                                           <p:spTgt spid="96"/>
                                         </p:tgtEl>
@@ -23706,7 +23706,7 @@
                         <p:par>
                           <p:cTn id="152" fill="hold">
                             <p:stCondLst>
-                              <p:cond delay="32600"/>
+                              <p:cond delay="45100"/>
                             </p:stCondLst>
                             <p:childTnLst>
                               <p:par>
@@ -26334,7 +26334,7 @@
           </a:p>
           <a:p>
             <a:r>
-              <a:rPr lang="en-US" smtClean="0"/>
+              <a:rPr lang="en-US" dirty="0" smtClean="0"/>
               <a:t>Performance</a:t>
             </a:r>
             <a:endParaRPr lang="en-US" dirty="0"/>
